--- a/doc/README_20250121.pptx
+++ b/doc/README_20250121.pptx
@@ -9580,7 +9580,7 @@
         </p:nvSpPr>
         <p:spPr>
           <a:xfrm>
-            <a:off x="2209116" y="2303772"/>
+            <a:off x="2209116" y="2285110"/>
             <a:ext cx="1365358" cy="2462213"/>
           </a:xfrm>
           <a:prstGeom prst="rect">
@@ -11590,8 +11590,8 @@
         </p:nvSpPr>
         <p:spPr>
           <a:xfrm>
-            <a:off x="4823483" y="2829832"/>
-            <a:ext cx="1355266" cy="307777"/>
+            <a:off x="4823483" y="2783177"/>
+            <a:ext cx="1810582" cy="307777"/>
           </a:xfrm>
           <a:prstGeom prst="rect">
             <a:avLst/>
@@ -11632,7 +11632,7 @@
                   <a:schemeClr val="tx1"/>
                 </a:solidFill>
               </a:rPr>
-              <a:t>extractJwt</a:t>
+              <a:t>extractClaimToJwt</a:t>
             </a:r>
             <a:endParaRPr lang="ko-KR" altLang="en-US" sz="1400" b="1" dirty="0">
               <a:solidFill>
@@ -11745,15 +11745,14 @@
           </p:cNvPr>
           <p:cNvCxnSpPr>
             <a:cxnSpLocks/>
-            <a:stCxn id="63" idx="2"/>
             <a:endCxn id="62" idx="0"/>
           </p:cNvCxnSpPr>
           <p:nvPr/>
         </p:nvCxnSpPr>
         <p:spPr>
           <a:xfrm>
-            <a:off x="5501116" y="3137609"/>
-            <a:ext cx="4619" cy="444991"/>
+            <a:off x="5505735" y="3107094"/>
+            <a:ext cx="0" cy="475506"/>
           </a:xfrm>
           <a:prstGeom prst="straightConnector1">
             <a:avLst/>
